--- a/Документация/TP_1.pptx
+++ b/Документация/TP_1.pptx
@@ -12904,8 +12904,8 @@
         </p:nvSpPr>
         <p:spPr>
           <a:xfrm>
-            <a:off x="608118" y="3413062"/>
-            <a:ext cx="5286655" cy="2339102"/>
+            <a:off x="608125" y="3413050"/>
+            <a:ext cx="5621400" cy="2339700"/>
           </a:xfrm>
           <a:prstGeom prst="rect">
             <a:avLst/>
@@ -13022,7 +13022,19 @@
                 <a:cs typeface="Calibri"/>
                 <a:sym typeface="Calibri"/>
               </a:rPr>
-              <a:t>ассистент Клейменов И.В.</a:t>
+              <a:t>ассистент</a:t>
+            </a:r>
+            <a:r>
+              <a:rPr b="1" lang="ru-RU" sz="3200">
+                <a:solidFill>
+                  <a:schemeClr val="dk1"/>
+                </a:solidFill>
+                <a:latin typeface="Calibri"/>
+                <a:ea typeface="Calibri"/>
+                <a:cs typeface="Calibri"/>
+                <a:sym typeface="Calibri"/>
+              </a:rPr>
+              <a:t> Клейменов И. В.</a:t>
             </a:r>
             <a:endParaRPr/>
           </a:p>
@@ -13060,7 +13072,7 @@
         <p:spPr>
           <a:xfrm>
             <a:off x="6096000" y="3429000"/>
-            <a:ext cx="5286655" cy="2339102"/>
+            <a:ext cx="5286600" cy="2339700"/>
           </a:xfrm>
           <a:prstGeom prst="rect">
             <a:avLst/>
@@ -13124,7 +13136,7 @@
                 <a:cs typeface="Calibri"/>
                 <a:sym typeface="Calibri"/>
               </a:rPr>
-              <a:t>Свиридов Ф.Ю.</a:t>
+              <a:t>Свиридов Ф. Ю.</a:t>
             </a:r>
             <a:endParaRPr/>
           </a:p>
@@ -13153,7 +13165,7 @@
                 <a:cs typeface="Calibri"/>
                 <a:sym typeface="Calibri"/>
               </a:rPr>
-              <a:t>Молдавский И.М.</a:t>
+              <a:t>Молдавский И. М.</a:t>
             </a:r>
             <a:endParaRPr/>
           </a:p>
@@ -13182,7 +13194,7 @@
                 <a:cs typeface="Calibri"/>
                 <a:sym typeface="Calibri"/>
               </a:rPr>
-              <a:t>Распопов П.С. </a:t>
+              <a:t>Распопов П. С. </a:t>
             </a:r>
             <a:endParaRPr b="1" sz="3200">
               <a:solidFill>
@@ -13311,8 +13323,8 @@
         </p:nvSpPr>
         <p:spPr>
           <a:xfrm>
-            <a:off x="809345" y="2985520"/>
-            <a:ext cx="5286655" cy="2339102"/>
+            <a:off x="748550" y="2985525"/>
+            <a:ext cx="10634100" cy="2339700"/>
           </a:xfrm>
           <a:prstGeom prst="rect">
             <a:avLst/>
@@ -13376,7 +13388,7 @@
                 <a:cs typeface="Calibri"/>
                 <a:sym typeface="Calibri"/>
               </a:rPr>
-              <a:t>Свиридов Ф.Ю.</a:t>
+              <a:t>Свиридов Ф.Ю. - fedorsviridov@gmail.com</a:t>
             </a:r>
             <a:endParaRPr/>
           </a:p>
@@ -13405,7 +13417,19 @@
                 <a:cs typeface="Calibri"/>
                 <a:sym typeface="Calibri"/>
               </a:rPr>
-              <a:t>Молдавский И.М.</a:t>
+              <a:t>Молдавский И.М. - </a:t>
+            </a:r>
+            <a:r>
+              <a:rPr b="1" lang="ru-RU" sz="3200">
+                <a:solidFill>
+                  <a:schemeClr val="dk1"/>
+                </a:solidFill>
+                <a:latin typeface="Calibri"/>
+                <a:ea typeface="Calibri"/>
+                <a:cs typeface="Calibri"/>
+                <a:sym typeface="Calibri"/>
+              </a:rPr>
+              <a:t>imoldavskiy@yandex.ru</a:t>
             </a:r>
             <a:endParaRPr/>
           </a:p>
@@ -13434,7 +13458,19 @@
                 <a:cs typeface="Calibri"/>
                 <a:sym typeface="Calibri"/>
               </a:rPr>
-              <a:t>Распопов П.С. </a:t>
+              <a:t>Распопов П.С. - </a:t>
+            </a:r>
+            <a:r>
+              <a:rPr b="1" lang="ru-RU" sz="3200">
+                <a:solidFill>
+                  <a:schemeClr val="dk1"/>
+                </a:solidFill>
+                <a:latin typeface="Calibri"/>
+                <a:ea typeface="Calibri"/>
+                <a:cs typeface="Calibri"/>
+                <a:sym typeface="Calibri"/>
+              </a:rPr>
+              <a:t>tokichiihere@gmail.com</a:t>
             </a:r>
             <a:endParaRPr b="1" sz="3200">
               <a:solidFill>
@@ -13697,10 +13733,10 @@
               <a:buNone/>
             </a:pPr>
             <a:fld id="{00000000-1234-1234-1234-123412341234}" type="slidenum">
-              <a:rPr lang="ru-RU"/>
+              <a:rPr lang="ru-RU" sz="3600"/>
               <a:t>‹#›</a:t>
             </a:fld>
-            <a:endParaRPr/>
+            <a:endParaRPr sz="3600"/>
           </a:p>
         </p:txBody>
       </p:sp>
@@ -13922,10 +13958,10 @@
               <a:buNone/>
             </a:pPr>
             <a:fld id="{00000000-1234-1234-1234-123412341234}" type="slidenum">
-              <a:rPr lang="ru-RU"/>
+              <a:rPr lang="ru-RU" sz="3600"/>
               <a:t>‹#›</a:t>
             </a:fld>
-            <a:endParaRPr/>
+            <a:endParaRPr sz="3600"/>
           </a:p>
         </p:txBody>
       </p:sp>
@@ -14180,10 +14216,10 @@
               <a:buNone/>
             </a:pPr>
             <a:fld id="{00000000-1234-1234-1234-123412341234}" type="slidenum">
-              <a:rPr lang="ru-RU"/>
+              <a:rPr lang="ru-RU" sz="3600"/>
               <a:t>‹#›</a:t>
             </a:fld>
-            <a:endParaRPr/>
+            <a:endParaRPr sz="3600"/>
           </a:p>
         </p:txBody>
       </p:sp>
@@ -14527,10 +14563,10 @@
               <a:buNone/>
             </a:pPr>
             <a:fld id="{00000000-1234-1234-1234-123412341234}" type="slidenum">
-              <a:rPr lang="ru-RU"/>
+              <a:rPr lang="ru-RU" sz="3600"/>
               <a:t>‹#›</a:t>
             </a:fld>
-            <a:endParaRPr/>
+            <a:endParaRPr sz="3600"/>
           </a:p>
         </p:txBody>
       </p:sp>
@@ -14543,7 +14579,7 @@
         <p:spPr>
           <a:xfrm>
             <a:off x="8353800" y="1325575"/>
-            <a:ext cx="3000000" cy="3978900"/>
+            <a:ext cx="3000000" cy="3879000"/>
           </a:xfrm>
           <a:prstGeom prst="rect">
             <a:avLst/>
@@ -14561,10 +14597,49 @@
           <a:p>
             <a:pPr indent="-285750" lvl="0" marL="285750" rtl="0" algn="l">
               <a:lnSpc>
-                <a:spcPct val="150000"/>
-              </a:lnSpc>
-              <a:spcBef>
-                <a:spcPts val="0"/>
+                <a:spcPct val="100000"/>
+              </a:lnSpc>
+              <a:spcBef>
+                <a:spcPts val="0"/>
+              </a:spcBef>
+              <a:spcAft>
+                <a:spcPts val="0"/>
+              </a:spcAft>
+              <a:buClr>
+                <a:schemeClr val="dk1"/>
+              </a:buClr>
+              <a:buSzPts val="3800"/>
+              <a:buChar char="•"/>
+            </a:pPr>
+            <a:r>
+              <a:rPr lang="ru-RU" sz="3800">
+                <a:solidFill>
+                  <a:schemeClr val="dk1"/>
+                </a:solidFill>
+                <a:latin typeface="Calibri"/>
+                <a:ea typeface="Calibri"/>
+                <a:cs typeface="Calibri"/>
+                <a:sym typeface="Calibri"/>
+              </a:rPr>
+              <a:t>Kotlin</a:t>
+            </a:r>
+            <a:endParaRPr sz="3800">
+              <a:solidFill>
+                <a:schemeClr val="dk1"/>
+              </a:solidFill>
+              <a:latin typeface="Calibri"/>
+              <a:ea typeface="Calibri"/>
+              <a:cs typeface="Calibri"/>
+              <a:sym typeface="Calibri"/>
+            </a:endParaRPr>
+          </a:p>
+          <a:p>
+            <a:pPr indent="-285750" lvl="0" marL="285750" rtl="0" algn="l">
+              <a:lnSpc>
+                <a:spcPct val="100000"/>
+              </a:lnSpc>
+              <a:spcBef>
+                <a:spcPts val="1500"/>
               </a:spcBef>
               <a:spcAft>
                 <a:spcPts val="0"/>
@@ -14596,7 +14671,7 @@
           <a:p>
             <a:pPr indent="-285750" lvl="0" marL="285750" rtl="0" algn="l">
               <a:lnSpc>
-                <a:spcPct val="150000"/>
+                <a:spcPct val="100000"/>
               </a:lnSpc>
               <a:spcBef>
                 <a:spcPts val="1500"/>
@@ -14631,7 +14706,7 @@
           <a:p>
             <a:pPr indent="-285750" lvl="0" marL="285750" rtl="0" algn="l">
               <a:lnSpc>
-                <a:spcPct val="150000"/>
+                <a:spcPct val="100000"/>
               </a:lnSpc>
               <a:spcBef>
                 <a:spcPts val="1500"/>
@@ -14666,7 +14741,7 @@
           <a:p>
             <a:pPr indent="-285750" lvl="0" marL="285750" rtl="0" algn="l">
               <a:lnSpc>
-                <a:spcPct val="150000"/>
+                <a:spcPct val="100000"/>
               </a:lnSpc>
               <a:spcBef>
                 <a:spcPts val="1500"/>
@@ -14940,10 +15015,10 @@
               <a:buNone/>
             </a:pPr>
             <a:fld id="{00000000-1234-1234-1234-123412341234}" type="slidenum">
-              <a:rPr lang="ru-RU"/>
+              <a:rPr lang="ru-RU" sz="3600"/>
               <a:t>‹#›</a:t>
             </a:fld>
-            <a:endParaRPr/>
+            <a:endParaRPr sz="3600"/>
           </a:p>
         </p:txBody>
       </p:sp>
@@ -15076,7 +15151,7 @@
                 <a:cs typeface="Calibri"/>
                 <a:sym typeface="Calibri"/>
               </a:rPr>
-              <a:t>Просмотреть существующие записи своего ВУЗа</a:t>
+              <a:t>Просмотреть существующие записи ВУЗов</a:t>
             </a:r>
             <a:endParaRPr/>
           </a:p>
@@ -15251,10 +15326,10 @@
               <a:buNone/>
             </a:pPr>
             <a:fld id="{00000000-1234-1234-1234-123412341234}" type="slidenum">
-              <a:rPr lang="ru-RU"/>
+              <a:rPr lang="ru-RU" sz="3600"/>
               <a:t>‹#›</a:t>
             </a:fld>
-            <a:endParaRPr/>
+            <a:endParaRPr sz="3600"/>
           </a:p>
         </p:txBody>
       </p:sp>
@@ -15518,10 +15593,10 @@
               <a:buNone/>
             </a:pPr>
             <a:fld id="{00000000-1234-1234-1234-123412341234}" type="slidenum">
-              <a:rPr lang="ru-RU"/>
+              <a:rPr lang="ru-RU" sz="3600"/>
               <a:t>‹#›</a:t>
             </a:fld>
-            <a:endParaRPr/>
+            <a:endParaRPr sz="3600"/>
           </a:p>
         </p:txBody>
       </p:sp>
@@ -15654,7 +15729,7 @@
                 <a:cs typeface="Calibri"/>
                 <a:sym typeface="Calibri"/>
               </a:rPr>
-              <a:t>Посмотреть расписание группы либо потока</a:t>
+              <a:t>Посмотреть расписание группы</a:t>
             </a:r>
             <a:endParaRPr/>
           </a:p>
@@ -15667,7 +15742,7 @@
                 <a:spcPts val="1500"/>
               </a:spcBef>
               <a:spcAft>
-                <a:spcPts val="0"/>
+                <a:spcPts val="1500"/>
               </a:spcAft>
               <a:buClr>
                 <a:schemeClr val="dk1"/>
@@ -15688,27 +15763,7 @@
               </a:rPr>
               <a:t>Получить расписание в excel – формате</a:t>
             </a:r>
-            <a:endParaRPr/>
-          </a:p>
-          <a:p>
-            <a:pPr indent="-44450" lvl="0" marL="285750" marR="0" rtl="0" algn="l">
-              <a:spcBef>
-                <a:spcPts val="1500"/>
-              </a:spcBef>
-              <a:spcAft>
-                <a:spcPts val="0"/>
-              </a:spcAft>
-              <a:buClr>
-                <a:schemeClr val="dk1"/>
-              </a:buClr>
-              <a:buSzPts val="3800"/>
-              <a:buFont typeface="Arial"/>
-              <a:buNone/>
-            </a:pPr>
-            <a:r>
-              <a:t/>
-            </a:r>
-            <a:endParaRPr sz="3800">
+            <a:endParaRPr sz="1200">
               <a:solidFill>
                 <a:schemeClr val="dk1"/>
               </a:solidFill>
@@ -15757,10 +15812,10 @@
               <a:buNone/>
             </a:pPr>
             <a:fld id="{00000000-1234-1234-1234-123412341234}" type="slidenum">
-              <a:rPr lang="ru-RU"/>
+              <a:rPr lang="ru-RU" sz="3600"/>
               <a:t>‹#›</a:t>
             </a:fld>
-            <a:endParaRPr/>
+            <a:endParaRPr sz="3600"/>
           </a:p>
         </p:txBody>
       </p:sp>
